--- a/藝術賞析.pptx
+++ b/藝術賞析.pptx
@@ -296,7 +296,7 @@
           <a:p>
             <a:fld id="{5560682E-D175-42CD-93FE-16D4DEEFDD2C}" type="datetimeFigureOut">
               <a:rPr lang="zh-TW" altLang="en-US" smtClean="0"/>
-              <a:t>2017/5/2</a:t>
+              <a:t>2017/5/4</a:t>
             </a:fld>
             <a:endParaRPr lang="zh-TW" altLang="en-US"/>
           </a:p>
@@ -466,7 +466,7 @@
           <a:p>
             <a:fld id="{5560682E-D175-42CD-93FE-16D4DEEFDD2C}" type="datetimeFigureOut">
               <a:rPr lang="zh-TW" altLang="en-US" smtClean="0"/>
-              <a:t>2017/5/2</a:t>
+              <a:t>2017/5/4</a:t>
             </a:fld>
             <a:endParaRPr lang="zh-TW" altLang="en-US"/>
           </a:p>
@@ -646,7 +646,7 @@
           <a:p>
             <a:fld id="{5560682E-D175-42CD-93FE-16D4DEEFDD2C}" type="datetimeFigureOut">
               <a:rPr lang="zh-TW" altLang="en-US" smtClean="0"/>
-              <a:t>2017/5/2</a:t>
+              <a:t>2017/5/4</a:t>
             </a:fld>
             <a:endParaRPr lang="zh-TW" altLang="en-US"/>
           </a:p>
@@ -816,7 +816,7 @@
           <a:p>
             <a:fld id="{5560682E-D175-42CD-93FE-16D4DEEFDD2C}" type="datetimeFigureOut">
               <a:rPr lang="zh-TW" altLang="en-US" smtClean="0"/>
-              <a:t>2017/5/2</a:t>
+              <a:t>2017/5/4</a:t>
             </a:fld>
             <a:endParaRPr lang="zh-TW" altLang="en-US"/>
           </a:p>
@@ -1062,7 +1062,7 @@
           <a:p>
             <a:fld id="{5560682E-D175-42CD-93FE-16D4DEEFDD2C}" type="datetimeFigureOut">
               <a:rPr lang="zh-TW" altLang="en-US" smtClean="0"/>
-              <a:t>2017/5/2</a:t>
+              <a:t>2017/5/4</a:t>
             </a:fld>
             <a:endParaRPr lang="zh-TW" altLang="en-US"/>
           </a:p>
@@ -1350,7 +1350,7 @@
           <a:p>
             <a:fld id="{5560682E-D175-42CD-93FE-16D4DEEFDD2C}" type="datetimeFigureOut">
               <a:rPr lang="zh-TW" altLang="en-US" smtClean="0"/>
-              <a:t>2017/5/2</a:t>
+              <a:t>2017/5/4</a:t>
             </a:fld>
             <a:endParaRPr lang="zh-TW" altLang="en-US"/>
           </a:p>
@@ -1777,7 +1777,7 @@
           <a:p>
             <a:fld id="{5560682E-D175-42CD-93FE-16D4DEEFDD2C}" type="datetimeFigureOut">
               <a:rPr lang="zh-TW" altLang="en-US" smtClean="0"/>
-              <a:t>2017/5/2</a:t>
+              <a:t>2017/5/4</a:t>
             </a:fld>
             <a:endParaRPr lang="zh-TW" altLang="en-US"/>
           </a:p>
@@ -1895,7 +1895,7 @@
           <a:p>
             <a:fld id="{5560682E-D175-42CD-93FE-16D4DEEFDD2C}" type="datetimeFigureOut">
               <a:rPr lang="zh-TW" altLang="en-US" smtClean="0"/>
-              <a:t>2017/5/2</a:t>
+              <a:t>2017/5/4</a:t>
             </a:fld>
             <a:endParaRPr lang="zh-TW" altLang="en-US"/>
           </a:p>
@@ -1990,7 +1990,7 @@
           <a:p>
             <a:fld id="{5560682E-D175-42CD-93FE-16D4DEEFDD2C}" type="datetimeFigureOut">
               <a:rPr lang="zh-TW" altLang="en-US" smtClean="0"/>
-              <a:t>2017/5/2</a:t>
+              <a:t>2017/5/4</a:t>
             </a:fld>
             <a:endParaRPr lang="zh-TW" altLang="en-US"/>
           </a:p>
@@ -2267,7 +2267,7 @@
           <a:p>
             <a:fld id="{5560682E-D175-42CD-93FE-16D4DEEFDD2C}" type="datetimeFigureOut">
               <a:rPr lang="zh-TW" altLang="en-US" smtClean="0"/>
-              <a:t>2017/5/2</a:t>
+              <a:t>2017/5/4</a:t>
             </a:fld>
             <a:endParaRPr lang="zh-TW" altLang="en-US"/>
           </a:p>
@@ -2520,7 +2520,7 @@
           <a:p>
             <a:fld id="{5560682E-D175-42CD-93FE-16D4DEEFDD2C}" type="datetimeFigureOut">
               <a:rPr lang="zh-TW" altLang="en-US" smtClean="0"/>
-              <a:t>2017/5/2</a:t>
+              <a:t>2017/5/4</a:t>
             </a:fld>
             <a:endParaRPr lang="zh-TW" altLang="en-US"/>
           </a:p>
@@ -2742,7 +2742,7 @@
           <a:p>
             <a:fld id="{5560682E-D175-42CD-93FE-16D4DEEFDD2C}" type="datetimeFigureOut">
               <a:rPr lang="zh-TW" altLang="en-US" smtClean="0"/>
-              <a:t>2017/5/2</a:t>
+              <a:t>2017/5/4</a:t>
             </a:fld>
             <a:endParaRPr lang="zh-TW" altLang="en-US"/>
           </a:p>
@@ -3174,10 +3174,10 @@
                 <a:ea typeface="標楷體" pitchFamily="65" charset="-120"/>
                 <a:cs typeface="Arial" pitchFamily="34" charset="0"/>
               </a:rPr>
-              <a:t>：鍾愛</a:t>
-            </a:r>
-            <a:r>
-              <a:rPr lang="en-US" altLang="zh-TW" sz="2800" dirty="0" smtClean="0">
+              <a:t>：</a:t>
+            </a:r>
+            <a:r>
+              <a:rPr lang="zh-TW" altLang="en-US" sz="2800" dirty="0" smtClean="0">
                 <a:solidFill>
                   <a:schemeClr val="bg1"/>
                 </a:solidFill>
@@ -3185,9 +3185,9 @@
                 <a:ea typeface="標楷體" pitchFamily="65" charset="-120"/>
                 <a:cs typeface="Arial" pitchFamily="34" charset="0"/>
               </a:rPr>
-              <a:t/>
-            </a:r>
-            <a:br>
+              <a:t>鍾愛 </a:t>
+            </a:r>
+            <a:r>
               <a:rPr lang="en-US" altLang="zh-TW" sz="2800" dirty="0" smtClean="0">
                 <a:solidFill>
                   <a:schemeClr val="bg1"/>
@@ -3196,9 +3196,10 @@
                 <a:ea typeface="標楷體" pitchFamily="65" charset="-120"/>
                 <a:cs typeface="Arial" pitchFamily="34" charset="0"/>
               </a:rPr>
-            </a:br>
-            <a:r>
-              <a:rPr lang="zh-TW" altLang="en-US" sz="2800" dirty="0" smtClean="0">
+              <a:t/>
+            </a:r>
+            <a:br>
+              <a:rPr lang="en-US" altLang="zh-TW" sz="2800" dirty="0" smtClean="0">
                 <a:solidFill>
                   <a:schemeClr val="bg1"/>
                 </a:solidFill>
@@ -3206,10 +3207,9 @@
                 <a:ea typeface="標楷體" pitchFamily="65" charset="-120"/>
                 <a:cs typeface="Arial" pitchFamily="34" charset="0"/>
               </a:rPr>
-              <a:t>組　　員：設計二乙 王驍捷 </a:t>
-            </a:r>
-            <a:r>
-              <a:rPr lang="en-US" altLang="zh-TW" sz="2800" dirty="0" smtClean="0">
+            </a:br>
+            <a:r>
+              <a:rPr lang="zh-TW" altLang="en-US" sz="2800" dirty="0" smtClean="0">
                 <a:solidFill>
                   <a:schemeClr val="bg1"/>
                 </a:solidFill>
@@ -3217,10 +3217,10 @@
                 <a:ea typeface="標楷體" pitchFamily="65" charset="-120"/>
                 <a:cs typeface="Arial" pitchFamily="34" charset="0"/>
               </a:rPr>
-              <a:t>40423206</a:t>
-            </a:r>
-            <a:br>
-              <a:rPr lang="en-US" altLang="zh-TW" sz="2800" dirty="0" smtClean="0">
+              <a:t>組</a:t>
+            </a:r>
+            <a:r>
+              <a:rPr lang="zh-TW" altLang="en-US" sz="2800" dirty="0" smtClean="0">
                 <a:solidFill>
                   <a:schemeClr val="bg1"/>
                 </a:solidFill>
@@ -3228,9 +3228,10 @@
                 <a:ea typeface="標楷體" pitchFamily="65" charset="-120"/>
                 <a:cs typeface="Arial" pitchFamily="34" charset="0"/>
               </a:rPr>
-            </a:br>
-            <a:r>
-              <a:rPr lang="zh-TW" altLang="en-US" sz="2800" dirty="0" smtClean="0">
+              <a:t>　　員：設計二乙 王驍捷 </a:t>
+            </a:r>
+            <a:r>
+              <a:rPr lang="en-US" altLang="zh-TW" sz="2800" dirty="0" smtClean="0">
                 <a:solidFill>
                   <a:schemeClr val="bg1"/>
                 </a:solidFill>
@@ -3238,9 +3239,9 @@
                 <a:ea typeface="標楷體" pitchFamily="65" charset="-120"/>
                 <a:cs typeface="Arial" pitchFamily="34" charset="0"/>
               </a:rPr>
-              <a:t>　　　　　設計二乙 吳東霖 </a:t>
-            </a:r>
-            <a:r>
+              <a:t>40423206</a:t>
+            </a:r>
+            <a:br>
               <a:rPr lang="en-US" altLang="zh-TW" sz="2800" dirty="0" smtClean="0">
                 <a:solidFill>
                   <a:schemeClr val="bg1"/>
@@ -3249,20 +3250,17 @@
                 <a:ea typeface="標楷體" pitchFamily="65" charset="-120"/>
                 <a:cs typeface="Arial" pitchFamily="34" charset="0"/>
               </a:rPr>
-              <a:t>40423211</a:t>
-            </a:r>
-            <a:br>
-              <a:rPr lang="en-US" altLang="zh-TW" sz="2800" dirty="0" smtClean="0">
-                <a:solidFill>
-                  <a:schemeClr val="bg1"/>
-                </a:solidFill>
+            </a:br>
+            <a:r>
+              <a:rPr lang="zh-TW" altLang="en-US" sz="2800" dirty="0">
                 <a:latin typeface="Arial" pitchFamily="34" charset="0"/>
                 <a:ea typeface="標楷體" pitchFamily="65" charset="-120"/>
                 <a:cs typeface="Arial" pitchFamily="34" charset="0"/>
               </a:rPr>
-            </a:br>
-            <a:r>
-              <a:rPr lang="zh-TW" altLang="en-US" sz="2800" dirty="0" smtClean="0">
+              <a:t>組　　員：</a:t>
+            </a:r>
+            <a:r>
+              <a:rPr lang="zh-TW" altLang="en-US" sz="2800" dirty="0">
                 <a:solidFill>
                   <a:schemeClr val="bg1"/>
                 </a:solidFill>
@@ -3270,7 +3268,69 @@
                 <a:ea typeface="標楷體" pitchFamily="65" charset="-120"/>
                 <a:cs typeface="Arial" pitchFamily="34" charset="0"/>
               </a:rPr>
-              <a:t>　　　　　設計二乙 胡原愷 </a:t>
+              <a:t>設計</a:t>
+            </a:r>
+            <a:r>
+              <a:rPr lang="zh-TW" altLang="en-US" sz="2800" dirty="0" smtClean="0">
+                <a:solidFill>
+                  <a:schemeClr val="bg1"/>
+                </a:solidFill>
+                <a:latin typeface="Arial" pitchFamily="34" charset="0"/>
+                <a:ea typeface="標楷體" pitchFamily="65" charset="-120"/>
+                <a:cs typeface="Arial" pitchFamily="34" charset="0"/>
+              </a:rPr>
+              <a:t>二乙 吳東霖 </a:t>
+            </a:r>
+            <a:r>
+              <a:rPr lang="en-US" altLang="zh-TW" sz="2800" dirty="0" smtClean="0">
+                <a:solidFill>
+                  <a:schemeClr val="bg1"/>
+                </a:solidFill>
+                <a:latin typeface="Arial" pitchFamily="34" charset="0"/>
+                <a:ea typeface="標楷體" pitchFamily="65" charset="-120"/>
+                <a:cs typeface="Arial" pitchFamily="34" charset="0"/>
+              </a:rPr>
+              <a:t>40423211</a:t>
+            </a:r>
+            <a:br>
+              <a:rPr lang="en-US" altLang="zh-TW" sz="2800" dirty="0" smtClean="0">
+                <a:solidFill>
+                  <a:schemeClr val="bg1"/>
+                </a:solidFill>
+                <a:latin typeface="Arial" pitchFamily="34" charset="0"/>
+                <a:ea typeface="標楷體" pitchFamily="65" charset="-120"/>
+                <a:cs typeface="Arial" pitchFamily="34" charset="0"/>
+              </a:rPr>
+            </a:br>
+            <a:r>
+              <a:rPr lang="zh-TW" altLang="en-US" sz="2800" dirty="0">
+                <a:latin typeface="Arial" pitchFamily="34" charset="0"/>
+                <a:ea typeface="標楷體" pitchFamily="65" charset="-120"/>
+                <a:cs typeface="Arial" pitchFamily="34" charset="0"/>
+              </a:rPr>
+              <a:t>組　　員：</a:t>
+            </a:r>
+            <a:r>
+              <a:rPr lang="zh-TW" altLang="en-US" sz="2800" dirty="0">
+                <a:solidFill>
+                  <a:schemeClr val="bg1"/>
+                </a:solidFill>
+                <a:latin typeface="Arial" pitchFamily="34" charset="0"/>
+                <a:ea typeface="標楷體" pitchFamily="65" charset="-120"/>
+                <a:cs typeface="Arial" pitchFamily="34" charset="0"/>
+              </a:rPr>
+              <a:t>設計</a:t>
+            </a:r>
+            <a:r>
+              <a:rPr lang="zh-TW" altLang="en-US" sz="2800" dirty="0" smtClean="0">
+                <a:solidFill>
+                  <a:schemeClr val="bg1"/>
+                </a:solidFill>
+                <a:latin typeface="Arial" pitchFamily="34" charset="0"/>
+                <a:ea typeface="標楷體" pitchFamily="65" charset="-120"/>
+                <a:cs typeface="Arial" pitchFamily="34" charset="0"/>
+              </a:rPr>
+              <a:t>二乙 胡原愷 </a:t>
             </a:r>
             <a:r>
               <a:rPr lang="en-US" altLang="zh-TW" sz="2800" dirty="0" smtClean="0">
@@ -4580,17 +4640,7 @@
                 <a:latin typeface="+mn-ea"/>
                 <a:ea typeface="+mn-ea"/>
               </a:rPr>
-              <a:t> </a:t>
-            </a:r>
-            <a:r>
-              <a:rPr lang="zh-TW" altLang="en-US" sz="3600" b="1" dirty="0" smtClean="0">
-                <a:solidFill>
-                  <a:schemeClr val="bg1"/>
-                </a:solidFill>
-                <a:latin typeface="+mn-ea"/>
-                <a:ea typeface="+mn-ea"/>
-              </a:rPr>
-              <a:t>擔任計算員的工作。</a:t>
+              <a:t> 擔任計算員的工作。</a:t>
             </a:r>
             <a:endParaRPr lang="en-US" altLang="zh-TW" sz="3600" b="1" dirty="0" smtClean="0">
               <a:solidFill>
